--- a/slides/Slides/InterpretingStatisticalTables.pptx
+++ b/slides/Slides/InterpretingStatisticalTables.pptx
@@ -299,7 +299,7 @@
               <a:pPr>
                 <a:defRPr/>
               </a:pPr>
-              <a:t>9/17/2020</a:t>
+              <a:t>1/31/24</a:t>
             </a:fld>
             <a:endParaRPr lang="en-US"/>
           </a:p>
@@ -3552,8 +3552,25 @@
                 <a:ea typeface="Century Gothic" charset="0"/>
                 <a:cs typeface="Century Gothic" charset="0"/>
               </a:rPr>
-              <a:t>Prof. Patrick Button</a:t>
-            </a:r>
+              <a:t>Prof. </a:t>
+            </a:r>
+            <a:r>
+              <a:rPr lang="en-US" sz="4000" b="1" cap="all">
+                <a:solidFill>
+                  <a:schemeClr val="bg1"/>
+                </a:solidFill>
+                <a:ea typeface="Century Gothic" charset="0"/>
+                <a:cs typeface="Century Gothic" charset="0"/>
+              </a:rPr>
+              <a:t>Hussain Hadah</a:t>
+            </a:r>
+            <a:endParaRPr lang="en-US" sz="4000" b="1" cap="all" dirty="0">
+              <a:solidFill>
+                <a:schemeClr val="bg1"/>
+              </a:solidFill>
+              <a:ea typeface="Century Gothic" charset="0"/>
+              <a:cs typeface="Century Gothic" charset="0"/>
+            </a:endParaRPr>
           </a:p>
         </p:txBody>
       </p:sp>
@@ -5741,8 +5758,8 @@
           </a:p>
         </p:txBody>
       </p:sp>
-      <mc:AlternateContent xmlns:mc="http://schemas.openxmlformats.org/markup-compatibility/2006">
-        <mc:Choice xmlns:a14="http://schemas.microsoft.com/office/drawing/2010/main" Requires="a14">
+      <mc:AlternateContent xmlns:mc="http://schemas.openxmlformats.org/markup-compatibility/2006" xmlns:a14="http://schemas.microsoft.com/office/drawing/2010/main">
+        <mc:Choice Requires="a14">
           <p:sp>
             <p:nvSpPr>
               <p:cNvPr id="3" name="Content Placeholder 2">
@@ -5861,7 +5878,7 @@
             </p:txBody>
           </p:sp>
         </mc:Choice>
-        <mc:Fallback>
+        <mc:Fallback xmlns="">
           <p:sp>
             <p:nvSpPr>
               <p:cNvPr id="3" name="Content Placeholder 2">
@@ -6093,8 +6110,8 @@
           </a:p>
         </p:txBody>
       </p:sp>
-      <mc:AlternateContent xmlns:mc="http://schemas.openxmlformats.org/markup-compatibility/2006">
-        <mc:Choice xmlns:a14="http://schemas.microsoft.com/office/drawing/2010/main" Requires="a14">
+      <mc:AlternateContent xmlns:mc="http://schemas.openxmlformats.org/markup-compatibility/2006" xmlns:a14="http://schemas.microsoft.com/office/drawing/2010/main">
+        <mc:Choice Requires="a14">
           <p:sp>
             <p:nvSpPr>
               <p:cNvPr id="3" name="Content Placeholder 2">
@@ -6244,7 +6261,7 @@
             </p:txBody>
           </p:sp>
         </mc:Choice>
-        <mc:Fallback>
+        <mc:Fallback xmlns="">
           <p:sp>
             <p:nvSpPr>
               <p:cNvPr id="3" name="Content Placeholder 2">
@@ -6342,8 +6359,8 @@
           </a:p>
         </p:txBody>
       </p:sp>
-      <mc:AlternateContent xmlns:mc="http://schemas.openxmlformats.org/markup-compatibility/2006">
-        <mc:Choice xmlns:a14="http://schemas.microsoft.com/office/drawing/2010/main" Requires="a14">
+      <mc:AlternateContent xmlns:mc="http://schemas.openxmlformats.org/markup-compatibility/2006" xmlns:a14="http://schemas.microsoft.com/office/drawing/2010/main">
+        <mc:Choice Requires="a14">
           <p:sp>
             <p:nvSpPr>
               <p:cNvPr id="3" name="Content Placeholder 2">
@@ -6518,7 +6535,7 @@
             </p:txBody>
           </p:sp>
         </mc:Choice>
-        <mc:Fallback>
+        <mc:Fallback xmlns="">
           <p:sp>
             <p:nvSpPr>
               <p:cNvPr id="3" name="Content Placeholder 2">
@@ -6796,8 +6813,8 @@
           </a:p>
         </p:txBody>
       </p:sp>
-      <mc:AlternateContent xmlns:mc="http://schemas.openxmlformats.org/markup-compatibility/2006">
-        <mc:Choice xmlns:a14="http://schemas.microsoft.com/office/drawing/2010/main" Requires="a14">
+      <mc:AlternateContent xmlns:mc="http://schemas.openxmlformats.org/markup-compatibility/2006" xmlns:a14="http://schemas.microsoft.com/office/drawing/2010/main">
+        <mc:Choice Requires="a14">
           <p:sp>
             <p:nvSpPr>
               <p:cNvPr id="3" name="Content Placeholder 2">
@@ -6887,14 +6904,7 @@
                         <a:latin typeface="Cambria Math" panose="02040503050406030204" pitchFamily="18" charset="0"/>
                         <a:ea typeface="Cambria Math" panose="02040503050406030204" pitchFamily="18" charset="0"/>
                       </a:rPr>
-                      <m:t>≥</m:t>
-                    </m:r>
-                    <m:r>
-                      <a:rPr lang="en-US" b="0" i="1" smtClean="0">
-                        <a:latin typeface="Cambria Math" panose="02040503050406030204" pitchFamily="18" charset="0"/>
-                        <a:ea typeface="Cambria Math" panose="02040503050406030204" pitchFamily="18" charset="0"/>
-                      </a:rPr>
-                      <m:t>2</m:t>
+                      <m:t>≥2</m:t>
                     </m:r>
                   </m:oMath>
                 </a14:m>
@@ -6912,7 +6922,7 @@
             </p:txBody>
           </p:sp>
         </mc:Choice>
-        <mc:Fallback>
+        <mc:Fallback xmlns="">
           <p:sp>
             <p:nvSpPr>
               <p:cNvPr id="3" name="Content Placeholder 2">
